--- a/Calendario2025/Presentaciones/2_DireccionamientoIPv4.pptx
+++ b/Calendario2025/Presentaciones/2_DireccionamientoIPv4.pptx
@@ -5,7 +5,7 @@
     <p:sldMasterId id="2147483648" r:id="rId1"/>
   </p:sldMasterIdLst>
   <p:notesMasterIdLst>
-    <p:notesMasterId r:id="rId18"/>
+    <p:notesMasterId r:id="rId19"/>
   </p:notesMasterIdLst>
   <p:sldIdLst>
     <p:sldId id="257" r:id="rId2"/>
@@ -23,7 +23,8 @@
     <p:sldId id="304" r:id="rId14"/>
     <p:sldId id="463" r:id="rId15"/>
     <p:sldId id="464" r:id="rId16"/>
-    <p:sldId id="305" r:id="rId17"/>
+    <p:sldId id="465" r:id="rId17"/>
+    <p:sldId id="305" r:id="rId18"/>
   </p:sldIdLst>
   <p:sldSz cx="9144000" cy="6858000" type="screen4x3"/>
   <p:notesSz cx="6858000" cy="9144000"/>
@@ -223,7 +224,7 @@
           <a:p>
             <a:fld id="{2D445F07-8756-451B-A938-0248325FC7BB}" type="datetimeFigureOut">
               <a:rPr lang="es-MX" smtClean="0"/>
-              <a:t>11/02/2024</a:t>
+              <a:t>16/02/2025</a:t>
             </a:fld>
             <a:endParaRPr lang="es-MX" dirty="0"/>
           </a:p>
@@ -627,6 +628,57 @@
 </file>
 
 <file path=ppt/notesSlides/notesSlide11.xml><?xml version="1.0" encoding="utf-8"?>
+<p:notes xmlns:a="http://schemas.openxmlformats.org/drawingml/2006/main" xmlns:r="http://schemas.openxmlformats.org/officeDocument/2006/relationships" xmlns:p="http://schemas.openxmlformats.org/presentationml/2006/main">
+  <p:cSld>
+    <p:spTree>
+      <p:nvGrpSpPr>
+        <p:cNvPr id="1" name=""/>
+        <p:cNvGrpSpPr/>
+        <p:nvPr/>
+      </p:nvGrpSpPr>
+      <p:grpSpPr>
+        <a:xfrm>
+          <a:off x="0" y="0"/>
+          <a:ext cx="0" cy="0"/>
+          <a:chOff x="0" y="0"/>
+          <a:chExt cx="0" cy="0"/>
+        </a:xfrm>
+      </p:grpSpPr>
+      <p:sp>
+        <p:nvSpPr>
+          <p:cNvPr id="2" name="Notes Placeholder"/>
+          <p:cNvSpPr>
+            <a:spLocks noGrp="1"/>
+          </p:cNvSpPr>
+          <p:nvPr>
+            <p:ph type="body" idx="1"/>
+          </p:nvPr>
+        </p:nvSpPr>
+        <p:spPr/>
+        <p:txBody>
+          <a:bodyPr>
+            <a:normAutofit/>
+          </a:bodyPr>
+          <a:lstStyle/>
+          <a:p>
+            <a:endParaRPr dirty="0"/>
+          </a:p>
+        </p:txBody>
+      </p:sp>
+    </p:spTree>
+    <p:extLst>
+      <p:ext uri="{BB962C8B-B14F-4D97-AF65-F5344CB8AC3E}">
+        <p14:creationId xmlns:p14="http://schemas.microsoft.com/office/powerpoint/2010/main" val="2229616444"/>
+      </p:ext>
+    </p:extLst>
+  </p:cSld>
+  <p:clrMapOvr>
+    <a:masterClrMapping/>
+  </p:clrMapOvr>
+</p:notes>
+</file>
+
+<file path=ppt/notesSlides/notesSlide12.xml><?xml version="1.0" encoding="utf-8"?>
 <p:notes xmlns:a="http://schemas.openxmlformats.org/drawingml/2006/main" xmlns:r="http://schemas.openxmlformats.org/officeDocument/2006/relationships" xmlns:p="http://schemas.openxmlformats.org/presentationml/2006/main">
   <p:cSld>
     <p:spTree>
@@ -1317,7 +1369,7 @@
           <a:p>
             <a:fld id="{5E75A0DC-66C6-4CEC-A5EB-F8C97CEC3796}" type="datetimeFigureOut">
               <a:rPr lang="es-MX" smtClean="0"/>
-              <a:t>11/02/2024</a:t>
+              <a:t>16/02/2025</a:t>
             </a:fld>
             <a:endParaRPr lang="es-MX" dirty="0"/>
           </a:p>
@@ -1487,7 +1539,7 @@
           <a:p>
             <a:fld id="{5E75A0DC-66C6-4CEC-A5EB-F8C97CEC3796}" type="datetimeFigureOut">
               <a:rPr lang="es-MX" smtClean="0"/>
-              <a:t>11/02/2024</a:t>
+              <a:t>16/02/2025</a:t>
             </a:fld>
             <a:endParaRPr lang="es-MX" dirty="0"/>
           </a:p>
@@ -1667,7 +1719,7 @@
           <a:p>
             <a:fld id="{5E75A0DC-66C6-4CEC-A5EB-F8C97CEC3796}" type="datetimeFigureOut">
               <a:rPr lang="es-MX" smtClean="0"/>
-              <a:t>11/02/2024</a:t>
+              <a:t>16/02/2025</a:t>
             </a:fld>
             <a:endParaRPr lang="es-MX" dirty="0"/>
           </a:p>
@@ -1837,7 +1889,7 @@
           <a:p>
             <a:fld id="{5E75A0DC-66C6-4CEC-A5EB-F8C97CEC3796}" type="datetimeFigureOut">
               <a:rPr lang="es-MX" smtClean="0"/>
-              <a:t>11/02/2024</a:t>
+              <a:t>16/02/2025</a:t>
             </a:fld>
             <a:endParaRPr lang="es-MX" dirty="0"/>
           </a:p>
@@ -2083,7 +2135,7 @@
           <a:p>
             <a:fld id="{5E75A0DC-66C6-4CEC-A5EB-F8C97CEC3796}" type="datetimeFigureOut">
               <a:rPr lang="es-MX" smtClean="0"/>
-              <a:t>11/02/2024</a:t>
+              <a:t>16/02/2025</a:t>
             </a:fld>
             <a:endParaRPr lang="es-MX" dirty="0"/>
           </a:p>
@@ -2371,7 +2423,7 @@
           <a:p>
             <a:fld id="{5E75A0DC-66C6-4CEC-A5EB-F8C97CEC3796}" type="datetimeFigureOut">
               <a:rPr lang="es-MX" smtClean="0"/>
-              <a:t>11/02/2024</a:t>
+              <a:t>16/02/2025</a:t>
             </a:fld>
             <a:endParaRPr lang="es-MX" dirty="0"/>
           </a:p>
@@ -2793,7 +2845,7 @@
           <a:p>
             <a:fld id="{5E75A0DC-66C6-4CEC-A5EB-F8C97CEC3796}" type="datetimeFigureOut">
               <a:rPr lang="es-MX" smtClean="0"/>
-              <a:t>11/02/2024</a:t>
+              <a:t>16/02/2025</a:t>
             </a:fld>
             <a:endParaRPr lang="es-MX" dirty="0"/>
           </a:p>
@@ -2911,7 +2963,7 @@
           <a:p>
             <a:fld id="{5E75A0DC-66C6-4CEC-A5EB-F8C97CEC3796}" type="datetimeFigureOut">
               <a:rPr lang="es-MX" smtClean="0"/>
-              <a:t>11/02/2024</a:t>
+              <a:t>16/02/2025</a:t>
             </a:fld>
             <a:endParaRPr lang="es-MX" dirty="0"/>
           </a:p>
@@ -3006,7 +3058,7 @@
           <a:p>
             <a:fld id="{5E75A0DC-66C6-4CEC-A5EB-F8C97CEC3796}" type="datetimeFigureOut">
               <a:rPr lang="es-MX" smtClean="0"/>
-              <a:t>11/02/2024</a:t>
+              <a:t>16/02/2025</a:t>
             </a:fld>
             <a:endParaRPr lang="es-MX" dirty="0"/>
           </a:p>
@@ -3283,7 +3335,7 @@
           <a:p>
             <a:fld id="{5E75A0DC-66C6-4CEC-A5EB-F8C97CEC3796}" type="datetimeFigureOut">
               <a:rPr lang="es-MX" smtClean="0"/>
-              <a:t>11/02/2024</a:t>
+              <a:t>16/02/2025</a:t>
             </a:fld>
             <a:endParaRPr lang="es-MX" dirty="0"/>
           </a:p>
@@ -3536,7 +3588,7 @@
           <a:p>
             <a:fld id="{5E75A0DC-66C6-4CEC-A5EB-F8C97CEC3796}" type="datetimeFigureOut">
               <a:rPr lang="es-MX" smtClean="0"/>
-              <a:t>11/02/2024</a:t>
+              <a:t>16/02/2025</a:t>
             </a:fld>
             <a:endParaRPr lang="es-MX" dirty="0"/>
           </a:p>
@@ -3749,7 +3801,7 @@
           <a:p>
             <a:fld id="{5E75A0DC-66C6-4CEC-A5EB-F8C97CEC3796}" type="datetimeFigureOut">
               <a:rPr lang="es-MX" smtClean="0"/>
-              <a:t>11/02/2024</a:t>
+              <a:t>16/02/2025</a:t>
             </a:fld>
             <a:endParaRPr lang="es-MX" dirty="0"/>
           </a:p>
@@ -10501,6 +10553,947 @@
 </file>
 
 <file path=ppt/slides/slide16.xml><?xml version="1.0" encoding="utf-8"?>
+<p:sld xmlns:a="http://schemas.openxmlformats.org/drawingml/2006/main" xmlns:r="http://schemas.openxmlformats.org/officeDocument/2006/relationships" xmlns:p="http://schemas.openxmlformats.org/presentationml/2006/main">
+  <p:cSld>
+    <p:spTree>
+      <p:nvGrpSpPr>
+        <p:cNvPr id="1" name=""/>
+        <p:cNvGrpSpPr/>
+        <p:nvPr/>
+      </p:nvGrpSpPr>
+      <p:grpSpPr>
+        <a:xfrm>
+          <a:off x="0" y="0"/>
+          <a:ext cx="0" cy="0"/>
+          <a:chOff x="0" y="0"/>
+          <a:chExt cx="0" cy="0"/>
+        </a:xfrm>
+      </p:grpSpPr>
+      <p:sp>
+        <p:nvSpPr>
+          <p:cNvPr id="2" name="object 2"/>
+          <p:cNvSpPr txBox="1">
+            <a:spLocks noGrp="1"/>
+          </p:cNvSpPr>
+          <p:nvPr>
+            <p:ph type="title"/>
+          </p:nvPr>
+        </p:nvSpPr>
+        <p:spPr>
+          <a:xfrm>
+            <a:off x="179512" y="65764"/>
+            <a:ext cx="8229600" cy="682622"/>
+          </a:xfrm>
+          <a:prstGeom prst="rect">
+            <a:avLst/>
+          </a:prstGeom>
+        </p:spPr>
+        <p:txBody>
+          <a:bodyPr vert="horz" wrap="square" lIns="0" tIns="188340" rIns="0" bIns="0" rtlCol="0">
+            <a:spAutoFit/>
+          </a:bodyPr>
+          <a:lstStyle/>
+          <a:p>
+            <a:pPr marL="1018540">
+              <a:lnSpc>
+                <a:spcPct val="100000"/>
+              </a:lnSpc>
+            </a:pPr>
+            <a:r>
+              <a:rPr lang="es-ES" sz="3200" b="1" dirty="0">
+                <a:solidFill>
+                  <a:schemeClr val="accent4">
+                    <a:lumMod val="50000"/>
+                  </a:schemeClr>
+                </a:solidFill>
+                <a:effectLst>
+                  <a:outerShdw blurRad="38100" dist="38100" dir="2700000" algn="tl">
+                    <a:srgbClr val="C0C0C0"/>
+                  </a:outerShdw>
+                </a:effectLst>
+                <a:latin typeface="Dom Casual" charset="0"/>
+              </a:rPr>
+              <a:t>Subredes y máscaras de </a:t>
+            </a:r>
+            <a:r>
+              <a:rPr lang="es-ES" sz="3200" b="1" dirty="0" err="1">
+                <a:solidFill>
+                  <a:schemeClr val="accent4">
+                    <a:lumMod val="50000"/>
+                  </a:schemeClr>
+                </a:solidFill>
+                <a:effectLst>
+                  <a:outerShdw blurRad="38100" dist="38100" dir="2700000" algn="tl">
+                    <a:srgbClr val="C0C0C0"/>
+                  </a:outerShdw>
+                </a:effectLst>
+                <a:latin typeface="Dom Casual" charset="0"/>
+              </a:rPr>
+              <a:t>subr</a:t>
+            </a:r>
+            <a:r>
+              <a:rPr sz="3200" b="1" dirty="0">
+                <a:solidFill>
+                  <a:schemeClr val="accent4">
+                    <a:lumMod val="50000"/>
+                  </a:schemeClr>
+                </a:solidFill>
+                <a:effectLst>
+                  <a:outerShdw blurRad="38100" dist="38100" dir="2700000" algn="tl">
+                    <a:srgbClr val="C0C0C0"/>
+                  </a:outerShdw>
+                </a:effectLst>
+                <a:latin typeface="Dom Casual" charset="0"/>
+              </a:rPr>
+              <a:t>ed</a:t>
+            </a:r>
+          </a:p>
+        </p:txBody>
+      </p:sp>
+      <p:sp>
+        <p:nvSpPr>
+          <p:cNvPr id="3" name="object 3"/>
+          <p:cNvSpPr txBox="1"/>
+          <p:nvPr/>
+        </p:nvSpPr>
+        <p:spPr>
+          <a:xfrm>
+            <a:off x="755576" y="1124744"/>
+            <a:ext cx="7653536" cy="369332"/>
+          </a:xfrm>
+          <a:prstGeom prst="rect">
+            <a:avLst/>
+          </a:prstGeom>
+        </p:spPr>
+        <p:txBody>
+          <a:bodyPr vert="horz" wrap="square" lIns="0" tIns="0" rIns="0" bIns="0" rtlCol="0">
+            <a:spAutoFit/>
+          </a:bodyPr>
+          <a:lstStyle/>
+          <a:p>
+            <a:pPr>
+              <a:tabLst>
+                <a:tab pos="4553585" algn="l"/>
+              </a:tabLst>
+            </a:pPr>
+            <a:r>
+              <a:rPr sz="2400" b="1" dirty="0">
+                <a:solidFill>
+                  <a:srgbClr val="0070C0"/>
+                </a:solidFill>
+                <a:latin typeface="Arial" panose="020B0604020202020204" pitchFamily="34" charset="0"/>
+                <a:cs typeface="Arial" panose="020B0604020202020204" pitchFamily="34" charset="0"/>
+              </a:rPr>
+              <a:t>1</a:t>
+            </a:r>
+            <a:r>
+              <a:rPr sz="2400" b="1" spc="5" dirty="0">
+                <a:solidFill>
+                  <a:srgbClr val="0070C0"/>
+                </a:solidFill>
+                <a:latin typeface="Arial" panose="020B0604020202020204" pitchFamily="34" charset="0"/>
+                <a:cs typeface="Arial" panose="020B0604020202020204" pitchFamily="34" charset="0"/>
+              </a:rPr>
+              <a:t>0</a:t>
+            </a:r>
+            <a:r>
+              <a:rPr sz="2400" b="1" dirty="0">
+                <a:solidFill>
+                  <a:srgbClr val="0070C0"/>
+                </a:solidFill>
+                <a:latin typeface="Arial" panose="020B0604020202020204" pitchFamily="34" charset="0"/>
+                <a:cs typeface="Arial" panose="020B0604020202020204" pitchFamily="34" charset="0"/>
+              </a:rPr>
+              <a:t>.</a:t>
+            </a:r>
+            <a:r>
+              <a:rPr sz="2400" b="1" spc="-20" dirty="0">
+                <a:solidFill>
+                  <a:srgbClr val="0070C0"/>
+                </a:solidFill>
+                <a:latin typeface="Arial" panose="020B0604020202020204" pitchFamily="34" charset="0"/>
+                <a:cs typeface="Arial" panose="020B0604020202020204" pitchFamily="34" charset="0"/>
+              </a:rPr>
+              <a:t> </a:t>
+            </a:r>
+            <a:r>
+              <a:rPr sz="2400" b="1" dirty="0">
+                <a:solidFill>
+                  <a:srgbClr val="0070C0"/>
+                </a:solidFill>
+                <a:latin typeface="Arial" panose="020B0604020202020204" pitchFamily="34" charset="0"/>
+                <a:cs typeface="Arial" panose="020B0604020202020204" pitchFamily="34" charset="0"/>
+              </a:rPr>
+              <a:t>2</a:t>
+            </a:r>
+            <a:r>
+              <a:rPr sz="2400" b="1" spc="5" dirty="0">
+                <a:solidFill>
+                  <a:srgbClr val="0070C0"/>
+                </a:solidFill>
+                <a:latin typeface="Arial" panose="020B0604020202020204" pitchFamily="34" charset="0"/>
+                <a:cs typeface="Arial" panose="020B0604020202020204" pitchFamily="34" charset="0"/>
+              </a:rPr>
+              <a:t>5</a:t>
+            </a:r>
+            <a:r>
+              <a:rPr sz="2400" b="1" dirty="0">
+                <a:solidFill>
+                  <a:srgbClr val="0070C0"/>
+                </a:solidFill>
+                <a:latin typeface="Arial" panose="020B0604020202020204" pitchFamily="34" charset="0"/>
+                <a:cs typeface="Arial" panose="020B0604020202020204" pitchFamily="34" charset="0"/>
+              </a:rPr>
+              <a:t>.</a:t>
+            </a:r>
+            <a:r>
+              <a:rPr sz="2400" b="1" spc="-20" dirty="0">
+                <a:solidFill>
+                  <a:srgbClr val="0070C0"/>
+                </a:solidFill>
+                <a:latin typeface="Arial" panose="020B0604020202020204" pitchFamily="34" charset="0"/>
+                <a:cs typeface="Arial" panose="020B0604020202020204" pitchFamily="34" charset="0"/>
+              </a:rPr>
+              <a:t> </a:t>
+            </a:r>
+            <a:r>
+              <a:rPr sz="2400" b="1" dirty="0">
+                <a:solidFill>
+                  <a:srgbClr val="0070C0"/>
+                </a:solidFill>
+                <a:latin typeface="Arial" panose="020B0604020202020204" pitchFamily="34" charset="0"/>
+                <a:cs typeface="Arial" panose="020B0604020202020204" pitchFamily="34" charset="0"/>
+              </a:rPr>
+              <a:t>9</a:t>
+            </a:r>
+            <a:r>
+              <a:rPr sz="2400" b="1" spc="5" dirty="0">
+                <a:solidFill>
+                  <a:srgbClr val="0070C0"/>
+                </a:solidFill>
+                <a:latin typeface="Arial" panose="020B0604020202020204" pitchFamily="34" charset="0"/>
+                <a:cs typeface="Arial" panose="020B0604020202020204" pitchFamily="34" charset="0"/>
+              </a:rPr>
+              <a:t>6</a:t>
+            </a:r>
+            <a:r>
+              <a:rPr sz="2400" b="1" dirty="0">
+                <a:solidFill>
+                  <a:srgbClr val="0070C0"/>
+                </a:solidFill>
+                <a:latin typeface="Arial" panose="020B0604020202020204" pitchFamily="34" charset="0"/>
+                <a:cs typeface="Arial" panose="020B0604020202020204" pitchFamily="34" charset="0"/>
+              </a:rPr>
+              <a:t>.</a:t>
+            </a:r>
+            <a:r>
+              <a:rPr sz="2400" b="1" spc="-20" dirty="0">
+                <a:solidFill>
+                  <a:srgbClr val="0070C0"/>
+                </a:solidFill>
+                <a:latin typeface="Arial" panose="020B0604020202020204" pitchFamily="34" charset="0"/>
+                <a:cs typeface="Arial" panose="020B0604020202020204" pitchFamily="34" charset="0"/>
+              </a:rPr>
+              <a:t> </a:t>
+            </a:r>
+            <a:r>
+              <a:rPr lang="es-ES" sz="2400" b="1" spc="-20" dirty="0">
+                <a:solidFill>
+                  <a:srgbClr val="0070C0"/>
+                </a:solidFill>
+                <a:latin typeface="Arial" panose="020B0604020202020204" pitchFamily="34" charset="0"/>
+                <a:cs typeface="Arial" panose="020B0604020202020204" pitchFamily="34" charset="0"/>
+              </a:rPr>
+              <a:t>2</a:t>
+            </a:r>
+            <a:r>
+              <a:rPr lang="es-ES" sz="2400" b="1" dirty="0">
+                <a:solidFill>
+                  <a:srgbClr val="0070C0"/>
+                </a:solidFill>
+                <a:latin typeface="Arial" panose="020B0604020202020204" pitchFamily="34" charset="0"/>
+                <a:cs typeface="Arial" panose="020B0604020202020204" pitchFamily="34" charset="0"/>
+              </a:rPr>
+              <a:t>  </a:t>
+            </a:r>
+            <a:r>
+              <a:rPr sz="2400" b="1" dirty="0">
+                <a:solidFill>
+                  <a:srgbClr val="0070C0"/>
+                </a:solidFill>
+                <a:latin typeface="Arial" panose="020B0604020202020204" pitchFamily="34" charset="0"/>
+                <a:cs typeface="Arial" panose="020B0604020202020204" pitchFamily="34" charset="0"/>
+              </a:rPr>
+              <a:t>/</a:t>
+            </a:r>
+            <a:r>
+              <a:rPr sz="2400" b="1" spc="-15" dirty="0">
+                <a:solidFill>
+                  <a:srgbClr val="0070C0"/>
+                </a:solidFill>
+                <a:latin typeface="Arial" panose="020B0604020202020204" pitchFamily="34" charset="0"/>
+                <a:cs typeface="Arial" panose="020B0604020202020204" pitchFamily="34" charset="0"/>
+              </a:rPr>
+              <a:t> </a:t>
+            </a:r>
+            <a:r>
+              <a:rPr sz="2400" b="1" dirty="0">
+                <a:solidFill>
+                  <a:srgbClr val="0070C0"/>
+                </a:solidFill>
+                <a:latin typeface="Arial" panose="020B0604020202020204" pitchFamily="34" charset="0"/>
+                <a:cs typeface="Arial" panose="020B0604020202020204" pitchFamily="34" charset="0"/>
+              </a:rPr>
+              <a:t>22</a:t>
+            </a:r>
+            <a:endParaRPr sz="2400" dirty="0">
+              <a:solidFill>
+                <a:srgbClr val="0070C0"/>
+              </a:solidFill>
+              <a:latin typeface="Arial" panose="020B0604020202020204" pitchFamily="34" charset="0"/>
+              <a:cs typeface="Arial" panose="020B0604020202020204" pitchFamily="34" charset="0"/>
+            </a:endParaRPr>
+          </a:p>
+        </p:txBody>
+      </p:sp>
+      <p:graphicFrame>
+        <p:nvGraphicFramePr>
+          <p:cNvPr id="4" name="Table 3">
+            <a:extLst>
+              <a:ext uri="{FF2B5EF4-FFF2-40B4-BE49-F238E27FC236}">
+                <a16:creationId xmlns:a16="http://schemas.microsoft.com/office/drawing/2014/main" id="{E8EB963D-A592-29D6-881E-30FF03114551}"/>
+              </a:ext>
+            </a:extLst>
+          </p:cNvPr>
+          <p:cNvGraphicFramePr>
+            <a:graphicFrameLocks noGrp="1"/>
+          </p:cNvGraphicFramePr>
+          <p:nvPr/>
+        </p:nvGraphicFramePr>
+        <p:xfrm>
+          <a:off x="704256" y="1988840"/>
+          <a:ext cx="7704856" cy="3888433"/>
+        </p:xfrm>
+        <a:graphic>
+          <a:graphicData uri="http://schemas.openxmlformats.org/drawingml/2006/table">
+            <a:tbl>
+              <a:tblPr firstRow="1" firstCol="1" lastRow="1" lastCol="1" bandRow="1" bandCol="1">
+                <a:tableStyleId>{5C22544A-7EE6-4342-B048-85BDC9FD1C3A}</a:tableStyleId>
+              </a:tblPr>
+              <a:tblGrid>
+                <a:gridCol w="1537546">
+                  <a:extLst>
+                    <a:ext uri="{9D8B030D-6E8A-4147-A177-3AD203B41FA5}">
+                      <a16:colId xmlns:a16="http://schemas.microsoft.com/office/drawing/2014/main" val="1181902816"/>
+                    </a:ext>
+                  </a:extLst>
+                </a:gridCol>
+                <a:gridCol w="632889">
+                  <a:extLst>
+                    <a:ext uri="{9D8B030D-6E8A-4147-A177-3AD203B41FA5}">
+                      <a16:colId xmlns:a16="http://schemas.microsoft.com/office/drawing/2014/main" val="2465227403"/>
+                    </a:ext>
+                  </a:extLst>
+                </a:gridCol>
+                <a:gridCol w="1523399">
+                  <a:extLst>
+                    <a:ext uri="{9D8B030D-6E8A-4147-A177-3AD203B41FA5}">
+                      <a16:colId xmlns:a16="http://schemas.microsoft.com/office/drawing/2014/main" val="714501495"/>
+                    </a:ext>
+                  </a:extLst>
+                </a:gridCol>
+                <a:gridCol w="2005139">
+                  <a:extLst>
+                    <a:ext uri="{9D8B030D-6E8A-4147-A177-3AD203B41FA5}">
+                      <a16:colId xmlns:a16="http://schemas.microsoft.com/office/drawing/2014/main" val="3006381684"/>
+                    </a:ext>
+                  </a:extLst>
+                </a:gridCol>
+                <a:gridCol w="2005883">
+                  <a:extLst>
+                    <a:ext uri="{9D8B030D-6E8A-4147-A177-3AD203B41FA5}">
+                      <a16:colId xmlns:a16="http://schemas.microsoft.com/office/drawing/2014/main" val="13027428"/>
+                    </a:ext>
+                  </a:extLst>
+                </a:gridCol>
+              </a:tblGrid>
+              <a:tr h="915409">
+                <a:tc>
+                  <a:txBody>
+                    <a:bodyPr/>
+                    <a:lstStyle/>
+                    <a:p>
+                      <a:pPr algn="ctr">
+                        <a:lnSpc>
+                          <a:spcPts val="1335"/>
+                        </a:lnSpc>
+                      </a:pPr>
+                      <a:r>
+                        <a:rPr lang="en-US" sz="1400" spc="-10" dirty="0" err="1">
+                          <a:effectLst/>
+                        </a:rPr>
+                        <a:t>Dirección</a:t>
+                      </a:r>
+                      <a:r>
+                        <a:rPr lang="en-US" sz="1400" spc="-10" dirty="0">
+                          <a:effectLst/>
+                        </a:rPr>
+                        <a:t> IP</a:t>
+                      </a:r>
+                      <a:r>
+                        <a:rPr lang="en-US" sz="1400" dirty="0">
+                          <a:effectLst/>
+                        </a:rPr>
+                        <a:t> / </a:t>
+                      </a:r>
+                      <a:r>
+                        <a:rPr lang="en-US" sz="1400" spc="-5" dirty="0" err="1">
+                          <a:effectLst/>
+                        </a:rPr>
+                        <a:t>Prefijo</a:t>
+                      </a:r>
+                      <a:endParaRPr lang="es-MX" sz="1400" dirty="0">
+                        <a:effectLst/>
+                        <a:latin typeface="Calibri" panose="020F0502020204030204" pitchFamily="34" charset="0"/>
+                        <a:ea typeface="Calibri" panose="020F0502020204030204" pitchFamily="34" charset="0"/>
+                        <a:cs typeface="Times New Roman" panose="02020603050405020304" pitchFamily="18" charset="0"/>
+                      </a:endParaRPr>
+                    </a:p>
+                  </a:txBody>
+                  <a:tcPr marL="0" marR="0" marT="0" marB="0" anchor="ctr"/>
+                </a:tc>
+                <a:tc>
+                  <a:txBody>
+                    <a:bodyPr/>
+                    <a:lstStyle/>
+                    <a:p>
+                      <a:pPr algn="ctr">
+                        <a:lnSpc>
+                          <a:spcPts val="1335"/>
+                        </a:lnSpc>
+                      </a:pPr>
+                      <a:r>
+                        <a:rPr lang="en-US" sz="1400" dirty="0" err="1">
+                          <a:effectLst/>
+                        </a:rPr>
+                        <a:t>Clase</a:t>
+                      </a:r>
+                      <a:endParaRPr lang="es-MX" sz="1400" dirty="0">
+                        <a:effectLst/>
+                        <a:latin typeface="Calibri" panose="020F0502020204030204" pitchFamily="34" charset="0"/>
+                        <a:ea typeface="Calibri" panose="020F0502020204030204" pitchFamily="34" charset="0"/>
+                        <a:cs typeface="Times New Roman" panose="02020603050405020304" pitchFamily="18" charset="0"/>
+                      </a:endParaRPr>
+                    </a:p>
+                  </a:txBody>
+                  <a:tcPr marL="0" marR="0" marT="0" marB="0" anchor="ctr"/>
+                </a:tc>
+                <a:tc>
+                  <a:txBody>
+                    <a:bodyPr/>
+                    <a:lstStyle/>
+                    <a:p>
+                      <a:pPr algn="ctr"/>
+                      <a:r>
+                        <a:rPr lang="en-US" sz="1400" spc="-5" dirty="0" err="1">
+                          <a:effectLst/>
+                        </a:rPr>
+                        <a:t>Máscara</a:t>
+                      </a:r>
+                      <a:r>
+                        <a:rPr lang="en-US" sz="1400" spc="-5" dirty="0">
+                          <a:effectLst/>
+                        </a:rPr>
+                        <a:t> </a:t>
+                      </a:r>
+                      <a:r>
+                        <a:rPr lang="en-US" sz="1400" dirty="0">
+                          <a:effectLst/>
+                        </a:rPr>
+                        <a:t>de</a:t>
+                      </a:r>
+                      <a:r>
+                        <a:rPr lang="en-US" sz="1400" spc="-5" dirty="0">
+                          <a:effectLst/>
+                        </a:rPr>
+                        <a:t> </a:t>
+                      </a:r>
+                      <a:r>
+                        <a:rPr lang="en-US" sz="1400" spc="-5" dirty="0" err="1">
+                          <a:effectLst/>
+                        </a:rPr>
+                        <a:t>subred</a:t>
+                      </a:r>
+                      <a:endParaRPr lang="es-MX" sz="1400" dirty="0">
+                        <a:effectLst/>
+                        <a:latin typeface="Calibri" panose="020F0502020204030204" pitchFamily="34" charset="0"/>
+                        <a:ea typeface="Calibri" panose="020F0502020204030204" pitchFamily="34" charset="0"/>
+                        <a:cs typeface="Times New Roman" panose="02020603050405020304" pitchFamily="18" charset="0"/>
+                      </a:endParaRPr>
+                    </a:p>
+                  </a:txBody>
+                  <a:tcPr marL="0" marR="0" marT="0" marB="0" anchor="ctr"/>
+                </a:tc>
+                <a:tc>
+                  <a:txBody>
+                    <a:bodyPr/>
+                    <a:lstStyle/>
+                    <a:p>
+                      <a:pPr algn="ctr"/>
+                      <a:r>
+                        <a:rPr lang="en-US" sz="1400" spc="-5" dirty="0" err="1">
+                          <a:effectLst/>
+                        </a:rPr>
+                        <a:t>Dirección</a:t>
+                      </a:r>
+                      <a:r>
+                        <a:rPr lang="en-US" sz="1400" spc="-5" dirty="0">
+                          <a:effectLst/>
+                        </a:rPr>
+                        <a:t> de </a:t>
+                      </a:r>
+                      <a:r>
+                        <a:rPr lang="en-US" sz="1400" spc="-5" dirty="0" err="1">
+                          <a:effectLst/>
+                        </a:rPr>
+                        <a:t>subred</a:t>
+                      </a:r>
+                      <a:endParaRPr lang="es-MX" sz="1400" dirty="0">
+                        <a:effectLst/>
+                        <a:latin typeface="Calibri" panose="020F0502020204030204" pitchFamily="34" charset="0"/>
+                        <a:ea typeface="Calibri" panose="020F0502020204030204" pitchFamily="34" charset="0"/>
+                        <a:cs typeface="Times New Roman" panose="02020603050405020304" pitchFamily="18" charset="0"/>
+                      </a:endParaRPr>
+                    </a:p>
+                  </a:txBody>
+                  <a:tcPr marL="0" marR="0" marT="0" marB="0" anchor="ctr"/>
+                </a:tc>
+                <a:tc>
+                  <a:txBody>
+                    <a:bodyPr/>
+                    <a:lstStyle/>
+                    <a:p>
+                      <a:pPr marR="135890" algn="ctr">
+                        <a:tabLst>
+                          <a:tab pos="1082040" algn="l"/>
+                        </a:tabLst>
+                      </a:pPr>
+                      <a:r>
+                        <a:rPr lang="en-US" sz="1400" spc="-5" dirty="0" err="1">
+                          <a:effectLst/>
+                        </a:rPr>
+                        <a:t>Dirección</a:t>
+                      </a:r>
+                      <a:r>
+                        <a:rPr lang="en-US" sz="1400" dirty="0">
+                          <a:effectLst/>
+                        </a:rPr>
+                        <a:t> de b</a:t>
+                      </a:r>
+                      <a:r>
+                        <a:rPr lang="en-US" sz="1400" spc="-5" dirty="0">
+                          <a:effectLst/>
+                        </a:rPr>
+                        <a:t>roadcast</a:t>
+                      </a:r>
+                      <a:endParaRPr lang="es-MX" sz="1400" dirty="0">
+                        <a:effectLst/>
+                        <a:latin typeface="Calibri" panose="020F0502020204030204" pitchFamily="34" charset="0"/>
+                        <a:ea typeface="Calibri" panose="020F0502020204030204" pitchFamily="34" charset="0"/>
+                        <a:cs typeface="Times New Roman" panose="02020603050405020304" pitchFamily="18" charset="0"/>
+                      </a:endParaRPr>
+                    </a:p>
+                  </a:txBody>
+                  <a:tcPr marL="0" marR="0" marT="0" marB="0" anchor="ctr"/>
+                </a:tc>
+                <a:extLst>
+                  <a:ext uri="{0D108BD9-81ED-4DB2-BD59-A6C34878D82A}">
+                    <a16:rowId xmlns:a16="http://schemas.microsoft.com/office/drawing/2014/main" val="2336251098"/>
+                  </a:ext>
+                </a:extLst>
+              </a:tr>
+              <a:tr h="1471721">
+                <a:tc>
+                  <a:txBody>
+                    <a:bodyPr/>
+                    <a:lstStyle/>
+                    <a:p>
+                      <a:pPr algn="ctr"/>
+                      <a:r>
+                        <a:rPr lang="es-MX" sz="1600" dirty="0">
+                          <a:effectLst/>
+                        </a:rPr>
+                        <a:t>10.25.96.2 /22</a:t>
+                      </a:r>
+                    </a:p>
+                    <a:p>
+                      <a:pPr algn="ctr"/>
+                      <a:r>
+                        <a:rPr lang="en-US" sz="1200" dirty="0">
+                          <a:effectLst/>
+                        </a:rPr>
+                        <a:t> </a:t>
+                      </a:r>
+                      <a:endParaRPr lang="es-MX" sz="1200" dirty="0">
+                        <a:effectLst/>
+                        <a:latin typeface="Calibri" panose="020F0502020204030204" pitchFamily="34" charset="0"/>
+                        <a:ea typeface="Calibri" panose="020F0502020204030204" pitchFamily="34" charset="0"/>
+                        <a:cs typeface="Times New Roman" panose="02020603050405020304" pitchFamily="18" charset="0"/>
+                      </a:endParaRPr>
+                    </a:p>
+                  </a:txBody>
+                  <a:tcPr marL="0" marR="0" marT="0" marB="0" anchor="ctr"/>
+                </a:tc>
+                <a:tc>
+                  <a:txBody>
+                    <a:bodyPr/>
+                    <a:lstStyle/>
+                    <a:p>
+                      <a:pPr algn="ctr"/>
+                      <a:endParaRPr lang="es-MX" sz="1400" b="1" dirty="0">
+                        <a:effectLst/>
+                        <a:latin typeface="Arial" panose="020B0604020202020204" pitchFamily="34" charset="0"/>
+                        <a:ea typeface="Times New Roman" panose="02020603050405020304" pitchFamily="18" charset="0"/>
+                        <a:cs typeface="Arial" panose="020B0604020202020204" pitchFamily="34" charset="0"/>
+                      </a:endParaRPr>
+                    </a:p>
+                  </a:txBody>
+                  <a:tcPr marL="0" marR="0" marT="0" marB="0" anchor="ctr">
+                    <a:solidFill>
+                      <a:schemeClr val="bg1">
+                        <a:lumMod val="85000"/>
+                      </a:schemeClr>
+                    </a:solidFill>
+                  </a:tcPr>
+                </a:tc>
+                <a:tc>
+                  <a:txBody>
+                    <a:bodyPr/>
+                    <a:lstStyle/>
+                    <a:p>
+                      <a:pPr algn="ctr"/>
+                      <a:endParaRPr lang="es-MX" sz="1400" b="1" dirty="0">
+                        <a:effectLst/>
+                        <a:latin typeface="Arial" panose="020B0604020202020204" pitchFamily="34" charset="0"/>
+                        <a:ea typeface="Calibri" panose="020F0502020204030204" pitchFamily="34" charset="0"/>
+                        <a:cs typeface="Arial" panose="020B0604020202020204" pitchFamily="34" charset="0"/>
+                      </a:endParaRPr>
+                    </a:p>
+                  </a:txBody>
+                  <a:tcPr marL="0" marR="0" marT="0" marB="0" anchor="ctr">
+                    <a:solidFill>
+                      <a:schemeClr val="bg1">
+                        <a:lumMod val="85000"/>
+                      </a:schemeClr>
+                    </a:solidFill>
+                  </a:tcPr>
+                </a:tc>
+                <a:tc>
+                  <a:txBody>
+                    <a:bodyPr/>
+                    <a:lstStyle/>
+                    <a:p>
+                      <a:pPr algn="ctr"/>
+                      <a:endParaRPr lang="es-MX" sz="1400" b="1" dirty="0">
+                        <a:effectLst/>
+                        <a:latin typeface="Arial" panose="020B0604020202020204" pitchFamily="34" charset="0"/>
+                        <a:ea typeface="Times New Roman" panose="02020603050405020304" pitchFamily="18" charset="0"/>
+                        <a:cs typeface="Arial" panose="020B0604020202020204" pitchFamily="34" charset="0"/>
+                      </a:endParaRPr>
+                    </a:p>
+                  </a:txBody>
+                  <a:tcPr marL="0" marR="0" marT="0" marB="0" anchor="ctr">
+                    <a:solidFill>
+                      <a:schemeClr val="bg1">
+                        <a:lumMod val="85000"/>
+                      </a:schemeClr>
+                    </a:solidFill>
+                  </a:tcPr>
+                </a:tc>
+                <a:tc>
+                  <a:txBody>
+                    <a:bodyPr/>
+                    <a:lstStyle/>
+                    <a:p>
+                      <a:pPr algn="ctr"/>
+                      <a:endParaRPr lang="es-MX" sz="1400" b="1" dirty="0">
+                        <a:solidFill>
+                          <a:schemeClr val="tx1"/>
+                        </a:solidFill>
+                        <a:effectLst/>
+                        <a:latin typeface="Arial" panose="020B0604020202020204" pitchFamily="34" charset="0"/>
+                        <a:ea typeface="Times New Roman" panose="02020603050405020304" pitchFamily="18" charset="0"/>
+                        <a:cs typeface="Arial" panose="020B0604020202020204" pitchFamily="34" charset="0"/>
+                      </a:endParaRPr>
+                    </a:p>
+                  </a:txBody>
+                  <a:tcPr marL="0" marR="0" marT="0" marB="0" anchor="ctr">
+                    <a:solidFill>
+                      <a:schemeClr val="bg1">
+                        <a:lumMod val="85000"/>
+                      </a:schemeClr>
+                    </a:solidFill>
+                  </a:tcPr>
+                </a:tc>
+                <a:extLst>
+                  <a:ext uri="{0D108BD9-81ED-4DB2-BD59-A6C34878D82A}">
+                    <a16:rowId xmlns:a16="http://schemas.microsoft.com/office/drawing/2014/main" val="3995770447"/>
+                  </a:ext>
+                </a:extLst>
+              </a:tr>
+              <a:tr h="1501303">
+                <a:tc>
+                  <a:txBody>
+                    <a:bodyPr/>
+                    <a:lstStyle/>
+                    <a:p>
+                      <a:pPr algn="ctr">
+                        <a:spcBef>
+                          <a:spcPts val="50"/>
+                        </a:spcBef>
+                      </a:pPr>
+                      <a:r>
+                        <a:rPr lang="en-US" sz="1200" dirty="0">
+                          <a:effectLst/>
+                        </a:rPr>
+                        <a:t> </a:t>
+                      </a:r>
+                      <a:endParaRPr lang="es-MX" sz="1200" dirty="0">
+                        <a:effectLst/>
+                      </a:endParaRPr>
+                    </a:p>
+                    <a:p>
+                      <a:pPr algn="ctr"/>
+                      <a:r>
+                        <a:rPr lang="es-MX" sz="1600" b="1" kern="1200" dirty="0">
+                          <a:solidFill>
+                            <a:schemeClr val="lt1"/>
+                          </a:solidFill>
+                          <a:effectLst/>
+                          <a:latin typeface="+mn-lt"/>
+                          <a:ea typeface="+mn-ea"/>
+                          <a:cs typeface="+mn-cs"/>
+                        </a:rPr>
+                        <a:t>8.0.0.0 /9</a:t>
+                      </a:r>
+                      <a:r>
+                        <a:rPr lang="en-US" sz="1200" dirty="0">
+                          <a:effectLst/>
+                        </a:rPr>
+                        <a:t> </a:t>
+                      </a:r>
+                      <a:endParaRPr lang="es-MX" sz="1200" dirty="0">
+                        <a:effectLst/>
+                        <a:latin typeface="Calibri" panose="020F0502020204030204" pitchFamily="34" charset="0"/>
+                        <a:ea typeface="Calibri" panose="020F0502020204030204" pitchFamily="34" charset="0"/>
+                        <a:cs typeface="Times New Roman" panose="02020603050405020304" pitchFamily="18" charset="0"/>
+                      </a:endParaRPr>
+                    </a:p>
+                  </a:txBody>
+                  <a:tcPr marL="0" marR="0" marT="0" marB="0" anchor="ctr"/>
+                </a:tc>
+                <a:tc>
+                  <a:txBody>
+                    <a:bodyPr/>
+                    <a:lstStyle/>
+                    <a:p>
+                      <a:pPr algn="ctr"/>
+                      <a:endParaRPr lang="es-MX" sz="1400" b="1" dirty="0">
+                        <a:solidFill>
+                          <a:schemeClr val="tx1"/>
+                        </a:solidFill>
+                        <a:effectLst/>
+                        <a:latin typeface="Arial" panose="020B0604020202020204" pitchFamily="34" charset="0"/>
+                        <a:ea typeface="Times New Roman" panose="02020603050405020304" pitchFamily="18" charset="0"/>
+                        <a:cs typeface="Arial" panose="020B0604020202020204" pitchFamily="34" charset="0"/>
+                      </a:endParaRPr>
+                    </a:p>
+                  </a:txBody>
+                  <a:tcPr marL="0" marR="0" marT="0" marB="0" anchor="ctr">
+                    <a:solidFill>
+                      <a:schemeClr val="bg1">
+                        <a:lumMod val="85000"/>
+                      </a:schemeClr>
+                    </a:solidFill>
+                  </a:tcPr>
+                </a:tc>
+                <a:tc>
+                  <a:txBody>
+                    <a:bodyPr/>
+                    <a:lstStyle/>
+                    <a:p>
+                      <a:pPr algn="ctr"/>
+                      <a:endParaRPr lang="es-MX" sz="1400" b="1" dirty="0">
+                        <a:solidFill>
+                          <a:schemeClr val="tx1"/>
+                        </a:solidFill>
+                        <a:effectLst/>
+                        <a:latin typeface="Arial" panose="020B0604020202020204" pitchFamily="34" charset="0"/>
+                        <a:ea typeface="Calibri" panose="020F0502020204030204" pitchFamily="34" charset="0"/>
+                        <a:cs typeface="Arial" panose="020B0604020202020204" pitchFamily="34" charset="0"/>
+                      </a:endParaRPr>
+                    </a:p>
+                  </a:txBody>
+                  <a:tcPr marL="0" marR="0" marT="0" marB="0" anchor="ctr">
+                    <a:solidFill>
+                      <a:schemeClr val="bg1">
+                        <a:lumMod val="85000"/>
+                      </a:schemeClr>
+                    </a:solidFill>
+                  </a:tcPr>
+                </a:tc>
+                <a:tc>
+                  <a:txBody>
+                    <a:bodyPr/>
+                    <a:lstStyle/>
+                    <a:p>
+                      <a:pPr algn="ctr"/>
+                      <a:endParaRPr lang="es-MX" sz="1400" b="1" dirty="0">
+                        <a:solidFill>
+                          <a:schemeClr val="tx1"/>
+                        </a:solidFill>
+                        <a:effectLst/>
+                        <a:latin typeface="Arial" panose="020B0604020202020204" pitchFamily="34" charset="0"/>
+                        <a:ea typeface="Times New Roman" panose="02020603050405020304" pitchFamily="18" charset="0"/>
+                        <a:cs typeface="Arial" panose="020B0604020202020204" pitchFamily="34" charset="0"/>
+                      </a:endParaRPr>
+                    </a:p>
+                  </a:txBody>
+                  <a:tcPr marL="0" marR="0" marT="0" marB="0" anchor="ctr">
+                    <a:solidFill>
+                      <a:schemeClr val="bg1">
+                        <a:lumMod val="85000"/>
+                      </a:schemeClr>
+                    </a:solidFill>
+                  </a:tcPr>
+                </a:tc>
+                <a:tc>
+                  <a:txBody>
+                    <a:bodyPr/>
+                    <a:lstStyle/>
+                    <a:p>
+                      <a:pPr algn="ctr"/>
+                      <a:endParaRPr lang="es-MX" sz="1400" b="1" dirty="0">
+                        <a:solidFill>
+                          <a:schemeClr val="tx1"/>
+                        </a:solidFill>
+                        <a:effectLst/>
+                        <a:latin typeface="Arial" panose="020B0604020202020204" pitchFamily="34" charset="0"/>
+                        <a:ea typeface="Times New Roman" panose="02020603050405020304" pitchFamily="18" charset="0"/>
+                        <a:cs typeface="Arial" panose="020B0604020202020204" pitchFamily="34" charset="0"/>
+                      </a:endParaRPr>
+                    </a:p>
+                  </a:txBody>
+                  <a:tcPr marL="0" marR="0" marT="0" marB="0" anchor="ctr">
+                    <a:solidFill>
+                      <a:schemeClr val="bg1">
+                        <a:lumMod val="85000"/>
+                      </a:schemeClr>
+                    </a:solidFill>
+                  </a:tcPr>
+                </a:tc>
+                <a:extLst>
+                  <a:ext uri="{0D108BD9-81ED-4DB2-BD59-A6C34878D82A}">
+                    <a16:rowId xmlns:a16="http://schemas.microsoft.com/office/drawing/2014/main" val="1041229346"/>
+                  </a:ext>
+                </a:extLst>
+              </a:tr>
+            </a:tbl>
+          </a:graphicData>
+        </a:graphic>
+      </p:graphicFrame>
+    </p:spTree>
+    <p:extLst>
+      <p:ext uri="{BB962C8B-B14F-4D97-AF65-F5344CB8AC3E}">
+        <p14:creationId xmlns:p14="http://schemas.microsoft.com/office/powerpoint/2010/main" val="3858920255"/>
+      </p:ext>
+    </p:extLst>
+  </p:cSld>
+  <p:clrMapOvr>
+    <a:masterClrMapping/>
+  </p:clrMapOvr>
+  <p:timing>
+    <p:tnLst>
+      <p:par>
+        <p:cTn id="1" dur="indefinite" restart="never" nodeType="tmRoot">
+          <p:childTnLst>
+            <p:seq concurrent="1" nextAc="seek">
+              <p:cTn id="2" dur="indefinite" nodeType="mainSeq">
+                <p:childTnLst>
+                  <p:par>
+                    <p:cTn id="3" fill="hold">
+                      <p:stCondLst>
+                        <p:cond delay="indefinite"/>
+                      </p:stCondLst>
+                      <p:childTnLst>
+                        <p:par>
+                          <p:cTn id="4" fill="hold">
+                            <p:stCondLst>
+                              <p:cond delay="0"/>
+                            </p:stCondLst>
+                            <p:childTnLst>
+                              <p:par>
+                                <p:cTn id="5" presetID="1" presetClass="entr" presetSubtype="0" fill="hold" grpId="0" nodeType="clickEffect">
+                                  <p:stCondLst>
+                                    <p:cond delay="0"/>
+                                  </p:stCondLst>
+                                  <p:childTnLst>
+                                    <p:set>
+                                      <p:cBhvr>
+                                        <p:cTn id="6" dur="1" fill="hold">
+                                          <p:stCondLst>
+                                            <p:cond delay="0"/>
+                                          </p:stCondLst>
+                                        </p:cTn>
+                                        <p:tgtEl>
+                                          <p:spTgt spid="3"/>
+                                        </p:tgtEl>
+                                        <p:attrNameLst>
+                                          <p:attrName>style.visibility</p:attrName>
+                                        </p:attrNameLst>
+                                      </p:cBhvr>
+                                      <p:to>
+                                        <p:strVal val="visible"/>
+                                      </p:to>
+                                    </p:set>
+                                  </p:childTnLst>
+                                </p:cTn>
+                              </p:par>
+                            </p:childTnLst>
+                          </p:cTn>
+                        </p:par>
+                      </p:childTnLst>
+                    </p:cTn>
+                  </p:par>
+                </p:childTnLst>
+              </p:cTn>
+              <p:prevCondLst>
+                <p:cond evt="onPrev" delay="0">
+                  <p:tgtEl>
+                    <p:sldTgt/>
+                  </p:tgtEl>
+                </p:cond>
+              </p:prevCondLst>
+              <p:nextCondLst>
+                <p:cond evt="onNext" delay="0">
+                  <p:tgtEl>
+                    <p:sldTgt/>
+                  </p:tgtEl>
+                </p:cond>
+              </p:nextCondLst>
+            </p:seq>
+          </p:childTnLst>
+        </p:cTn>
+      </p:par>
+    </p:tnLst>
+    <p:bldLst>
+      <p:bldP spid="3" grpId="0"/>
+    </p:bldLst>
+  </p:timing>
+</p:sld>
+</file>
+
+<file path=ppt/slides/slide17.xml><?xml version="1.0" encoding="utf-8"?>
 <p:sld xmlns:a="http://schemas.openxmlformats.org/drawingml/2006/main" xmlns:r="http://schemas.openxmlformats.org/officeDocument/2006/relationships" xmlns:p="http://schemas.openxmlformats.org/presentationml/2006/main">
   <p:cSld>
     <p:spTree>
